--- a/classes/prog2022/Lab06.pptx
+++ b/classes/prog2022/Lab06.pptx
@@ -3866,8 +3866,19 @@
                 <a:latin typeface="Arial" panose="020B0604020202020204" pitchFamily="34" charset="0"/>
                 <a:cs typeface="Arial" panose="020B0604020202020204" pitchFamily="34" charset="0"/>
               </a:rPr>
-              <a:t>Make a GUI with the following properties:</a:t>
-            </a:r>
+              <a:t>Make a GUI with the following properties (also </a:t>
+            </a:r>
+            <a:r>
+              <a:rPr lang="en-US" sz="2000">
+                <a:latin typeface="Arial" panose="020B0604020202020204" pitchFamily="34" charset="0"/>
+                <a:cs typeface="Arial" panose="020B0604020202020204" pitchFamily="34" charset="0"/>
+              </a:rPr>
+              <a:t>see slide #4 )</a:t>
+            </a:r>
+            <a:endParaRPr lang="en-US" sz="2000" dirty="0">
+              <a:latin typeface="Arial" panose="020B0604020202020204" pitchFamily="34" charset="0"/>
+              <a:cs typeface="Arial" panose="020B0604020202020204" pitchFamily="34" charset="0"/>
+            </a:endParaRPr>
           </a:p>
           <a:p>
             <a:endParaRPr lang="en-US" sz="2000" dirty="0">
@@ -4636,6 +4647,118 @@
           <a:lstStyle/>
           <a:p>
             <a:endParaRPr lang="en-US" dirty="0"/>
+          </a:p>
+        </p:txBody>
+      </p:sp>
+      <p:sp>
+        <p:nvSpPr>
+          <p:cNvPr id="2" name="TextBox 1">
+            <a:extLst>
+              <a:ext uri="{FF2B5EF4-FFF2-40B4-BE49-F238E27FC236}">
+                <a16:creationId xmlns:a16="http://schemas.microsoft.com/office/drawing/2014/main" id="{E017A0C2-9455-E808-BABC-223A5E9800FF}"/>
+              </a:ext>
+            </a:extLst>
+          </p:cNvPr>
+          <p:cNvSpPr txBox="1"/>
+          <p:nvPr/>
+        </p:nvSpPr>
+        <p:spPr>
+          <a:xfrm>
+            <a:off x="777240" y="365760"/>
+            <a:ext cx="10777374" cy="2862322"/>
+          </a:xfrm>
+          <a:prstGeom prst="rect">
+            <a:avLst/>
+          </a:prstGeom>
+          <a:noFill/>
+        </p:spPr>
+        <p:txBody>
+          <a:bodyPr wrap="none" rtlCol="0">
+            <a:spAutoFit/>
+          </a:bodyPr>
+          <a:lstStyle/>
+          <a:p>
+            <a:r>
+              <a:rPr lang="en-US" dirty="0">
+                <a:latin typeface="Arial" panose="020B0604020202020204" pitchFamily="34" charset="0"/>
+                <a:cs typeface="Arial" panose="020B0604020202020204" pitchFamily="34" charset="0"/>
+              </a:rPr>
+              <a:t>You should consider MVC architecture</a:t>
+            </a:r>
+          </a:p>
+          <a:p>
+            <a:endParaRPr lang="en-US" dirty="0">
+              <a:latin typeface="Arial" panose="020B0604020202020204" pitchFamily="34" charset="0"/>
+              <a:cs typeface="Arial" panose="020B0604020202020204" pitchFamily="34" charset="0"/>
+            </a:endParaRPr>
+          </a:p>
+          <a:p>
+            <a:r>
+              <a:rPr lang="en-US" dirty="0">
+                <a:latin typeface="Arial" panose="020B0604020202020204" pitchFamily="34" charset="0"/>
+                <a:cs typeface="Arial" panose="020B0604020202020204" pitchFamily="34" charset="0"/>
+                <a:hlinkClick r:id="rId2"/>
+              </a:rPr>
+              <a:t>https://en.wikipedia.org/wiki/Model%E2%80%93view%E2%80%93controller</a:t>
+            </a:r>
+            <a:endParaRPr lang="en-US" dirty="0">
+              <a:latin typeface="Arial" panose="020B0604020202020204" pitchFamily="34" charset="0"/>
+              <a:cs typeface="Arial" panose="020B0604020202020204" pitchFamily="34" charset="0"/>
+            </a:endParaRPr>
+          </a:p>
+          <a:p>
+            <a:endParaRPr lang="en-US" dirty="0">
+              <a:latin typeface="Arial" panose="020B0604020202020204" pitchFamily="34" charset="0"/>
+              <a:cs typeface="Arial" panose="020B0604020202020204" pitchFamily="34" charset="0"/>
+            </a:endParaRPr>
+          </a:p>
+          <a:p>
+            <a:r>
+              <a:rPr lang="en-US" dirty="0">
+                <a:latin typeface="Arial" panose="020B0604020202020204" pitchFamily="34" charset="0"/>
+                <a:cs typeface="Arial" panose="020B0604020202020204" pitchFamily="34" charset="0"/>
+              </a:rPr>
+              <a:t>Make your “workers” independent of the GUI</a:t>
+            </a:r>
+          </a:p>
+          <a:p>
+            <a:r>
+              <a:rPr lang="en-US" dirty="0">
+                <a:latin typeface="Arial" panose="020B0604020202020204" pitchFamily="34" charset="0"/>
+                <a:cs typeface="Arial" panose="020B0604020202020204" pitchFamily="34" charset="0"/>
+              </a:rPr>
+              <a:t>(you should be able to interact with them from the command line or from non-GUI code)</a:t>
+            </a:r>
+          </a:p>
+          <a:p>
+            <a:endParaRPr lang="en-US" dirty="0">
+              <a:latin typeface="Arial" panose="020B0604020202020204" pitchFamily="34" charset="0"/>
+              <a:cs typeface="Arial" panose="020B0604020202020204" pitchFamily="34" charset="0"/>
+            </a:endParaRPr>
+          </a:p>
+          <a:p>
+            <a:r>
+              <a:rPr lang="en-US" dirty="0">
+                <a:latin typeface="Arial" panose="020B0604020202020204" pitchFamily="34" charset="0"/>
+                <a:cs typeface="Arial" panose="020B0604020202020204" pitchFamily="34" charset="0"/>
+              </a:rPr>
+              <a:t>Then “wrap” the GUI around the developed (and tested workers).</a:t>
+            </a:r>
+          </a:p>
+          <a:p>
+            <a:endParaRPr lang="en-US" dirty="0">
+              <a:latin typeface="Arial" panose="020B0604020202020204" pitchFamily="34" charset="0"/>
+              <a:cs typeface="Arial" panose="020B0604020202020204" pitchFamily="34" charset="0"/>
+            </a:endParaRPr>
+          </a:p>
+          <a:p>
+            <a:r>
+              <a:rPr lang="en-US" dirty="0">
+                <a:latin typeface="Arial" panose="020B0604020202020204" pitchFamily="34" charset="0"/>
+                <a:cs typeface="Arial" panose="020B0604020202020204" pitchFamily="34" charset="0"/>
+              </a:rPr>
+              <a:t>This will allow you to develop in distinct modules which will reduce complexity and make testing easier…</a:t>
+            </a:r>
           </a:p>
         </p:txBody>
       </p:sp>
